--- a/fuentes/contenidos/grado10/guion05/MC_MA_10_05_CO.pptx
+++ b/fuentes/contenidos/grado10/guion05/MC_MA_10_05_CO.pptx
@@ -394,7 +394,7 @@
           <a:p>
             <a:fld id="{5001C876-01F7-4317-94B9-1AE222133113}" type="datetimeFigureOut">
               <a:rPr lang="es-ES" smtClean="0"/>
-              <a:t>04/08/2016</a:t>
+              <a:t>08/08/2016</a:t>
             </a:fld>
             <a:endParaRPr lang="es-ES"/>
           </a:p>
@@ -5545,27 +5545,27 @@
                 <a:latin typeface="Arial" panose="020B0604020202020204" pitchFamily="34" charset="0"/>
                 <a:cs typeface="Arial" panose="020B0604020202020204" pitchFamily="34" charset="0"/>
               </a:rPr>
-              <a:t>el conjuntos de puntos del plano tales que la </a:t>
-            </a:r>
-            <a:r>
-              <a:rPr lang="es-ES" sz="900" dirty="0" err="1" smtClean="0">
-                <a:solidFill>
-                  <a:schemeClr val="tx1"/>
-                </a:solidFill>
-                <a:latin typeface="Arial" panose="020B0604020202020204" pitchFamily="34" charset="0"/>
-                <a:cs typeface="Arial" panose="020B0604020202020204" pitchFamily="34" charset="0"/>
-              </a:rPr>
-              <a:t>suna</a:t>
-            </a:r>
-            <a:r>
-              <a:rPr lang="es-ES" sz="900" dirty="0" smtClean="0">
-                <a:solidFill>
-                  <a:schemeClr val="tx1"/>
-                </a:solidFill>
-                <a:latin typeface="Arial" panose="020B0604020202020204" pitchFamily="34" charset="0"/>
-                <a:cs typeface="Arial" panose="020B0604020202020204" pitchFamily="34" charset="0"/>
-              </a:rPr>
-              <a:t> </a:t>
+              <a:t>el conjuntos de puntos del plano tales que </a:t>
+            </a:r>
+            <a:r>
+              <a:rPr lang="es-ES" sz="900">
+                <a:solidFill>
+                  <a:schemeClr val="tx1"/>
+                </a:solidFill>
+                <a:latin typeface="Arial" panose="020B0604020202020204" pitchFamily="34" charset="0"/>
+                <a:cs typeface="Arial" panose="020B0604020202020204" pitchFamily="34" charset="0"/>
+              </a:rPr>
+              <a:t>la </a:t>
+            </a:r>
+            <a:r>
+              <a:rPr lang="es-ES" sz="900" smtClean="0">
+                <a:solidFill>
+                  <a:schemeClr val="tx1"/>
+                </a:solidFill>
+                <a:latin typeface="Arial" panose="020B0604020202020204" pitchFamily="34" charset="0"/>
+                <a:cs typeface="Arial" panose="020B0604020202020204" pitchFamily="34" charset="0"/>
+              </a:rPr>
+              <a:t>suma </a:t>
             </a:r>
             <a:r>
               <a:rPr lang="es-ES" sz="900" dirty="0">
@@ -5577,13 +5577,6 @@
               </a:rPr>
               <a:t>de las distancias a dos puntos fijos llamados focos es una constante positiva</a:t>
             </a:r>
-            <a:endParaRPr lang="es-ES" sz="900" dirty="0">
-              <a:solidFill>
-                <a:schemeClr val="tx1"/>
-              </a:solidFill>
-              <a:latin typeface="Arial" panose="020B0604020202020204" pitchFamily="34" charset="0"/>
-              <a:cs typeface="Arial" panose="020B0604020202020204" pitchFamily="34" charset="0"/>
-            </a:endParaRPr>
           </a:p>
         </p:txBody>
       </p:sp>
